--- a/基于Android技术的天气预报系统的设计与实现/答辩PPT/20151104782-丛月馨-基于Android技术的天气预报系统的设计与实现-开题PPT.pptx
+++ b/基于Android技术的天气预报系统的设计与实现/答辩PPT/20151104782-丛月馨-基于Android技术的天气预报系统的设计与实现-开题PPT.pptx
@@ -12,7 +12,7 @@
     <p:sldId id="282" r:id="rId7"/>
     <p:sldId id="258" r:id="rId8"/>
     <p:sldId id="314" r:id="rId9"/>
-    <p:sldId id="265" r:id="rId10"/>
+    <p:sldId id="322" r:id="rId10"/>
     <p:sldId id="259" r:id="rId11"/>
     <p:sldId id="283" r:id="rId12"/>
     <p:sldId id="260" r:id="rId13"/>
@@ -11022,9 +11022,9 @@
         <p:grpSpPr>
           <a:xfrm>
             <a:off x="1362075" y="1149987"/>
-            <a:ext cx="9933013" cy="1526535"/>
+            <a:ext cx="9933013" cy="2449827"/>
             <a:chOff x="963373" y="1187086"/>
-            <a:chExt cx="3859228" cy="266970"/>
+            <a:chExt cx="3859228" cy="428441"/>
           </a:xfrm>
         </p:grpSpPr>
         <p:sp>
@@ -11053,7 +11053,16 @@
                   </a:solidFill>
                   <a:sym typeface="+mn-ea"/>
                 </a:rPr>
-                <a:t> Android</a:t>
+                <a:t> </a:t>
+              </a:r>
+              <a:r>
+                <a:rPr lang="en-US" sz="2800" b="1" dirty="0">
+                  <a:solidFill>
+                    <a:schemeClr val="accent1"/>
+                  </a:solidFill>
+                  <a:sym typeface="+mn-ea"/>
+                </a:rPr>
+                <a:t>Android</a:t>
               </a:r>
               <a:r>
                 <a:rPr lang="zh-CN" altLang="en-US" sz="2800" b="1" dirty="0">
@@ -11091,7 +11100,7 @@
           <p:spPr>
             <a:xfrm>
               <a:off x="963373" y="1335674"/>
-              <a:ext cx="3859228" cy="118382"/>
+              <a:ext cx="3859228" cy="279853"/>
             </a:xfrm>
             <a:prstGeom prst="rect">
               <a:avLst/>
@@ -11129,7 +11138,19 @@
                   </a:solidFill>
                   <a:sym typeface="+mn-ea"/>
                 </a:rPr>
-                <a:t> Android 是</a:t>
+                <a:t> </a:t>
+              </a:r>
+              <a:r>
+                <a:rPr lang="en-US" sz="2000" dirty="0">
+                  <a:solidFill>
+                    <a:schemeClr val="tx1">
+                      <a:lumMod val="65000"/>
+                      <a:lumOff val="35000"/>
+                    </a:schemeClr>
+                  </a:solidFill>
+                  <a:sym typeface="+mn-ea"/>
+                </a:rPr>
+                <a:t>Android 是</a:t>
               </a:r>
               <a:r>
                 <a:rPr lang="zh-CN" altLang="en-US" sz="2000" dirty="0">
@@ -11165,9 +11186,225 @@
                   </a:solidFill>
                   <a:sym typeface="+mn-ea"/>
                 </a:rPr>
-                <a:t>神器，人们所熟知的手机就是开发而成的，可支持多种语言开发、超强的插件功能、开源，为用户带来了极大的方便。</a:t>
+                <a:t>神器，人们所熟知的手机就是开发而成的，可支持多种语言开发、超强的插件功能、开源，为用户带来了极大的方便。项目的开发是在</a:t>
               </a:r>
-              <a:endParaRPr lang="en-US" sz="2000" dirty="0">
+              <a:r>
+                <a:rPr lang="en-US" altLang="zh-CN" sz="2000" dirty="0">
+                  <a:solidFill>
+                    <a:schemeClr val="tx1">
+                      <a:lumMod val="65000"/>
+                      <a:lumOff val="35000"/>
+                    </a:schemeClr>
+                  </a:solidFill>
+                  <a:sym typeface="+mn-ea"/>
+                </a:rPr>
+                <a:t>Eclipse</a:t>
+              </a:r>
+              <a:r>
+                <a:rPr lang="zh-CN" altLang="en-US" sz="2000" dirty="0">
+                  <a:solidFill>
+                    <a:schemeClr val="tx1">
+                      <a:lumMod val="65000"/>
+                      <a:lumOff val="35000"/>
+                    </a:schemeClr>
+                  </a:solidFill>
+                  <a:sym typeface="+mn-ea"/>
+                </a:rPr>
+                <a:t>环境中进行，由于进行的是</a:t>
+              </a:r>
+              <a:r>
+                <a:rPr lang="en-US" altLang="zh-CN" sz="2000" dirty="0">
+                  <a:solidFill>
+                    <a:schemeClr val="tx1">
+                      <a:lumMod val="65000"/>
+                      <a:lumOff val="35000"/>
+                    </a:schemeClr>
+                  </a:solidFill>
+                  <a:sym typeface="+mn-ea"/>
+                </a:rPr>
+                <a:t>Android</a:t>
+              </a:r>
+              <a:r>
+                <a:rPr lang="zh-CN" altLang="en-US" sz="2000" dirty="0">
+                  <a:solidFill>
+                    <a:schemeClr val="tx1">
+                      <a:lumMod val="65000"/>
+                      <a:lumOff val="35000"/>
+                    </a:schemeClr>
+                  </a:solidFill>
+                  <a:sym typeface="+mn-ea"/>
+                </a:rPr>
+                <a:t>应用程序的开发，需要在</a:t>
+              </a:r>
+              <a:r>
+                <a:rPr lang="en-US" altLang="zh-CN" sz="2000" dirty="0">
+                  <a:solidFill>
+                    <a:schemeClr val="tx1">
+                      <a:lumMod val="65000"/>
+                      <a:lumOff val="35000"/>
+                    </a:schemeClr>
+                  </a:solidFill>
+                  <a:sym typeface="+mn-ea"/>
+                </a:rPr>
+                <a:t>Eclipse</a:t>
+              </a:r>
+              <a:r>
+                <a:rPr lang="zh-CN" altLang="en-US" sz="2000" dirty="0">
+                  <a:solidFill>
+                    <a:schemeClr val="tx1">
+                      <a:lumMod val="65000"/>
+                      <a:lumOff val="35000"/>
+                    </a:schemeClr>
+                  </a:solidFill>
+                  <a:sym typeface="+mn-ea"/>
+                </a:rPr>
+                <a:t>安装</a:t>
+              </a:r>
+              <a:r>
+                <a:rPr lang="en-US" altLang="zh-CN" sz="2000" dirty="0">
+                  <a:solidFill>
+                    <a:schemeClr val="tx1">
+                      <a:lumMod val="65000"/>
+                      <a:lumOff val="35000"/>
+                    </a:schemeClr>
+                  </a:solidFill>
+                  <a:sym typeface="+mn-ea"/>
+                </a:rPr>
+                <a:t>ADT</a:t>
+              </a:r>
+              <a:r>
+                <a:rPr lang="zh-CN" altLang="en-US" sz="2000" dirty="0">
+                  <a:solidFill>
+                    <a:schemeClr val="tx1">
+                      <a:lumMod val="65000"/>
+                      <a:lumOff val="35000"/>
+                    </a:schemeClr>
+                  </a:solidFill>
+                  <a:sym typeface="+mn-ea"/>
+                </a:rPr>
+                <a:t>插件，即</a:t>
+              </a:r>
+              <a:r>
+                <a:rPr lang="en-US" altLang="zh-CN" sz="2000" dirty="0">
+                  <a:solidFill>
+                    <a:schemeClr val="tx1">
+                      <a:lumMod val="65000"/>
+                      <a:lumOff val="35000"/>
+                    </a:schemeClr>
+                  </a:solidFill>
+                  <a:sym typeface="+mn-ea"/>
+                </a:rPr>
+                <a:t>Android</a:t>
+              </a:r>
+              <a:r>
+                <a:rPr lang="zh-CN" altLang="en-US" sz="2000" dirty="0">
+                  <a:solidFill>
+                    <a:schemeClr val="tx1">
+                      <a:lumMod val="65000"/>
+                      <a:lumOff val="35000"/>
+                    </a:schemeClr>
+                  </a:solidFill>
+                  <a:sym typeface="+mn-ea"/>
+                </a:rPr>
+                <a:t>开发工具，这样</a:t>
+              </a:r>
+              <a:r>
+                <a:rPr lang="en-US" altLang="zh-CN" sz="2000" dirty="0">
+                  <a:solidFill>
+                    <a:schemeClr val="tx1">
+                      <a:lumMod val="65000"/>
+                      <a:lumOff val="35000"/>
+                    </a:schemeClr>
+                  </a:solidFill>
+                  <a:sym typeface="+mn-ea"/>
+                </a:rPr>
+                <a:t>Eclipse</a:t>
+              </a:r>
+              <a:r>
+                <a:rPr lang="zh-CN" altLang="en-US" sz="2000" dirty="0">
+                  <a:solidFill>
+                    <a:schemeClr val="tx1">
+                      <a:lumMod val="65000"/>
+                      <a:lumOff val="35000"/>
+                    </a:schemeClr>
+                  </a:solidFill>
+                  <a:sym typeface="+mn-ea"/>
+                </a:rPr>
+                <a:t>就可以和</a:t>
+              </a:r>
+              <a:r>
+                <a:rPr lang="en-US" altLang="zh-CN" sz="2000" dirty="0">
+                  <a:solidFill>
+                    <a:schemeClr val="tx1">
+                      <a:lumMod val="65000"/>
+                      <a:lumOff val="35000"/>
+                    </a:schemeClr>
+                  </a:solidFill>
+                  <a:sym typeface="+mn-ea"/>
+                </a:rPr>
+                <a:t>AndroidSDK</a:t>
+              </a:r>
+              <a:r>
+                <a:rPr lang="zh-CN" altLang="en-US" sz="2000" dirty="0">
+                  <a:solidFill>
+                    <a:schemeClr val="tx1">
+                      <a:lumMod val="65000"/>
+                      <a:lumOff val="35000"/>
+                    </a:schemeClr>
+                  </a:solidFill>
+                  <a:sym typeface="+mn-ea"/>
+                </a:rPr>
+                <a:t>建立连接，在</a:t>
+              </a:r>
+              <a:r>
+                <a:rPr lang="en-US" altLang="zh-CN" sz="2000" dirty="0">
+                  <a:solidFill>
+                    <a:schemeClr val="tx1">
+                      <a:lumMod val="65000"/>
+                      <a:lumOff val="35000"/>
+                    </a:schemeClr>
+                  </a:solidFill>
+                  <a:sym typeface="+mn-ea"/>
+                </a:rPr>
+                <a:t>Eclipse</a:t>
+              </a:r>
+              <a:r>
+                <a:rPr lang="zh-CN" altLang="en-US" sz="2000" dirty="0">
+                  <a:solidFill>
+                    <a:schemeClr val="tx1">
+                      <a:lumMod val="65000"/>
+                      <a:lumOff val="35000"/>
+                    </a:schemeClr>
+                  </a:solidFill>
+                  <a:sym typeface="+mn-ea"/>
+                </a:rPr>
+                <a:t>中启动</a:t>
+              </a:r>
+              <a:r>
+                <a:rPr lang="en-US" altLang="zh-CN" sz="2000" dirty="0">
+                  <a:solidFill>
+                    <a:schemeClr val="tx1">
+                      <a:lumMod val="65000"/>
+                      <a:lumOff val="35000"/>
+                    </a:schemeClr>
+                  </a:solidFill>
+                  <a:sym typeface="+mn-ea"/>
+                </a:rPr>
+                <a:t>Android</a:t>
+              </a:r>
+              <a:r>
+                <a:rPr lang="zh-CN" altLang="en-US" sz="2000" dirty="0">
+                  <a:solidFill>
+                    <a:schemeClr val="tx1">
+                      <a:lumMod val="65000"/>
+                      <a:lumOff val="35000"/>
+                    </a:schemeClr>
+                  </a:solidFill>
+                  <a:sym typeface="+mn-ea"/>
+                </a:rPr>
+                <a:t>模拟器、调试程序等工作。</a:t>
+              </a:r>
+              <a:endParaRPr lang="zh-CN" altLang="en-US" sz="2000" dirty="0">
                 <a:solidFill>
                   <a:schemeClr val="tx1">
                     <a:lumMod val="65000"/>
@@ -11374,7 +11611,7 @@
                     <a:schemeClr val="accent3"/>
                   </a:solidFill>
                 </a:rPr>
-                <a:t> SQLite</a:t>
+                <a:t> Intent</a:t>
               </a:r>
               <a:r>
                 <a:rPr lang="zh-CN" altLang="en-US" sz="2800" b="1" dirty="0">
@@ -11382,7 +11619,7 @@
                     <a:schemeClr val="accent3"/>
                   </a:solidFill>
                 </a:rPr>
-                <a:t>技术</a:t>
+                <a:t>：技术</a:t>
               </a:r>
               <a:r>
                 <a:rPr lang="en-US" sz="2800" b="1" dirty="0">
@@ -11434,9 +11671,117 @@
                   </a:solidFill>
                   <a:sym typeface="+mn-ea"/>
                 </a:rPr>
-                <a:t>       SQLite是一个实现了可嵌入，零配置，功能齐全的SQL数据库引擎的小型C库。目前官方发布的最新稳定版本是3.3.6。最初SQLite项目的创始人D.Richard Hipp就确立了“简单管理，简单操作，简单使用，简单维护，简单定制”的基本设计目标。</a:t>
+                <a:t>     </a:t>
               </a:r>
-              <a:endParaRPr lang="en-US" sz="2000" dirty="0">
+              <a:r>
+                <a:rPr lang="zh-CN" altLang="en-US" sz="2000" dirty="0">
+                  <a:solidFill>
+                    <a:schemeClr val="tx1">
+                      <a:lumMod val="65000"/>
+                      <a:lumOff val="35000"/>
+                    </a:schemeClr>
+                  </a:solidFill>
+                  <a:sym typeface="+mn-ea"/>
+                </a:rPr>
+                <a:t>使用</a:t>
+              </a:r>
+              <a:r>
+                <a:rPr lang="en-US" altLang="zh-CN" sz="2000" dirty="0">
+                  <a:solidFill>
+                    <a:schemeClr val="tx1">
+                      <a:lumMod val="65000"/>
+                      <a:lumOff val="35000"/>
+                    </a:schemeClr>
+                  </a:solidFill>
+                  <a:sym typeface="+mn-ea"/>
+                </a:rPr>
+                <a:t>Intent</a:t>
+              </a:r>
+              <a:r>
+                <a:rPr lang="zh-CN" altLang="en-US" sz="2000" dirty="0">
+                  <a:solidFill>
+                    <a:schemeClr val="tx1">
+                      <a:lumMod val="65000"/>
+                      <a:lumOff val="35000"/>
+                    </a:schemeClr>
+                  </a:solidFill>
+                  <a:sym typeface="+mn-ea"/>
+                </a:rPr>
+                <a:t>可以激活</a:t>
+              </a:r>
+              <a:r>
+                <a:rPr lang="en-US" altLang="zh-CN" sz="2000" dirty="0">
+                  <a:solidFill>
+                    <a:schemeClr val="tx1">
+                      <a:lumMod val="65000"/>
+                      <a:lumOff val="35000"/>
+                    </a:schemeClr>
+                  </a:solidFill>
+                  <a:sym typeface="+mn-ea"/>
+                </a:rPr>
+                <a:t>Android</a:t>
+              </a:r>
+              <a:r>
+                <a:rPr lang="zh-CN" altLang="en-US" sz="2000" dirty="0">
+                  <a:solidFill>
+                    <a:schemeClr val="tx1">
+                      <a:lumMod val="65000"/>
+                      <a:lumOff val="35000"/>
+                    </a:schemeClr>
+                  </a:solidFill>
+                  <a:sym typeface="+mn-ea"/>
+                </a:rPr>
+                <a:t>应用的三个组件：活动、服务和广播接收器，</a:t>
+              </a:r>
+              <a:r>
+                <a:rPr lang="en-US" altLang="zh-CN" sz="2000" dirty="0">
+                  <a:solidFill>
+                    <a:schemeClr val="tx1">
+                      <a:lumMod val="65000"/>
+                      <a:lumOff val="35000"/>
+                    </a:schemeClr>
+                  </a:solidFill>
+                  <a:sym typeface="+mn-ea"/>
+                </a:rPr>
+                <a:t>Intent</a:t>
+              </a:r>
+              <a:r>
+                <a:rPr lang="zh-CN" altLang="en-US" sz="2000" dirty="0">
+                  <a:solidFill>
+                    <a:schemeClr val="tx1">
+                      <a:lumMod val="65000"/>
+                      <a:lumOff val="35000"/>
+                    </a:schemeClr>
+                  </a:solidFill>
+                  <a:sym typeface="+mn-ea"/>
+                </a:rPr>
+                <a:t>负责对应用中一次操作的动作、动作涉及数据和附加数据进行描述，负责找到对应的组件，将</a:t>
+              </a:r>
+              <a:r>
+                <a:rPr lang="en-US" altLang="zh-CN" sz="2000" dirty="0">
+                  <a:solidFill>
+                    <a:schemeClr val="tx1">
+                      <a:lumMod val="65000"/>
+                      <a:lumOff val="35000"/>
+                    </a:schemeClr>
+                  </a:solidFill>
+                  <a:sym typeface="+mn-ea"/>
+                </a:rPr>
+                <a:t>Intent</a:t>
+              </a:r>
+              <a:r>
+                <a:rPr lang="zh-CN" altLang="en-US" sz="2000" dirty="0">
+                  <a:solidFill>
+                    <a:schemeClr val="tx1">
+                      <a:lumMod val="65000"/>
+                      <a:lumOff val="35000"/>
+                    </a:schemeClr>
+                  </a:solidFill>
+                  <a:sym typeface="+mn-ea"/>
+                </a:rPr>
+                <a:t>传递给调用的组件，并完成组件的调用。实现调用者与被调用者之间的结构。</a:t>
+              </a:r>
+              <a:endParaRPr lang="zh-CN" altLang="en-US" sz="2000" dirty="0">
                 <a:solidFill>
                   <a:schemeClr val="tx1">
                     <a:lumMod val="65000"/>
@@ -11457,7 +11802,7 @@
         </p:nvGrpSpPr>
         <p:grpSpPr>
           <a:xfrm>
-            <a:off x="6425354" y="4004733"/>
+            <a:off x="6303434" y="4004733"/>
             <a:ext cx="5249333" cy="2514600"/>
             <a:chOff x="4727575" y="3003550"/>
             <a:chExt cx="3937000" cy="1885950"/>
@@ -11707,7 +12052,19 @@
                   </a:solidFill>
                   <a:sym typeface="+mn-ea"/>
                 </a:rPr>
-                <a:t>       Java语言是Sun</a:t>
+                <a:t>       </a:t>
+              </a:r>
+              <a:r>
+                <a:rPr lang="en-US" sz="2000" dirty="0">
+                  <a:solidFill>
+                    <a:schemeClr val="tx1">
+                      <a:lumMod val="65000"/>
+                      <a:lumOff val="35000"/>
+                    </a:schemeClr>
+                  </a:solidFill>
+                  <a:sym typeface="+mn-ea"/>
+                </a:rPr>
+                <a:t> Java语言是Sun</a:t>
               </a:r>
               <a:r>
                 <a:rPr lang="zh-CN" altLang="en-US" sz="2000" dirty="0">
@@ -11841,7 +12198,7 @@
                 </a:rPr>
                 <a:t>应用编程接口构成。</a:t>
               </a:r>
-              <a:endParaRPr lang="zh-CN" altLang="en-US" sz="2000" dirty="0">
+              <a:endParaRPr lang="en-US" sz="2000" dirty="0">
                 <a:solidFill>
                   <a:schemeClr val="tx1">
                     <a:lumMod val="65000"/>
